--- a/Presentación de Tesis Parte 2.pptx
+++ b/Presentación de Tesis Parte 2.pptx
@@ -276,7 +276,7 @@
           <a:p>
             <a:fld id="{14D6DE26-B321-4B04-9CC7-E4A9DF211B06}" type="datetimeFigureOut">
               <a:rPr lang="en-US" smtClean="0"/>
-              <a:t>7/6/2018</a:t>
+              <a:t>10/18/2018</a:t>
             </a:fld>
             <a:endParaRPr lang="en-US"/>
           </a:p>
@@ -487,7 +487,7 @@
           <a:p>
             <a:fld id="{14D6DE26-B321-4B04-9CC7-E4A9DF211B06}" type="datetimeFigureOut">
               <a:rPr lang="en-US" smtClean="0"/>
-              <a:t>7/6/2018</a:t>
+              <a:t>10/18/2018</a:t>
             </a:fld>
             <a:endParaRPr lang="en-US"/>
           </a:p>
@@ -702,7 +702,7 @@
           <a:p>
             <a:fld id="{14D6DE26-B321-4B04-9CC7-E4A9DF211B06}" type="datetimeFigureOut">
               <a:rPr lang="en-US" smtClean="0"/>
-              <a:t>7/6/2018</a:t>
+              <a:t>10/18/2018</a:t>
             </a:fld>
             <a:endParaRPr lang="en-US"/>
           </a:p>
@@ -903,7 +903,7 @@
           <a:p>
             <a:fld id="{14D6DE26-B321-4B04-9CC7-E4A9DF211B06}" type="datetimeFigureOut">
               <a:rPr lang="en-US" smtClean="0"/>
-              <a:t>7/6/2018</a:t>
+              <a:t>10/18/2018</a:t>
             </a:fld>
             <a:endParaRPr lang="en-US"/>
           </a:p>
@@ -1182,7 +1182,7 @@
           <a:p>
             <a:fld id="{14D6DE26-B321-4B04-9CC7-E4A9DF211B06}" type="datetimeFigureOut">
               <a:rPr lang="en-US" smtClean="0"/>
-              <a:t>7/6/2018</a:t>
+              <a:t>10/18/2018</a:t>
             </a:fld>
             <a:endParaRPr lang="en-US"/>
           </a:p>
@@ -1450,7 +1450,7 @@
           <a:p>
             <a:fld id="{14D6DE26-B321-4B04-9CC7-E4A9DF211B06}" type="datetimeFigureOut">
               <a:rPr lang="en-US" smtClean="0"/>
-              <a:t>7/6/2018</a:t>
+              <a:t>10/18/2018</a:t>
             </a:fld>
             <a:endParaRPr lang="en-US"/>
           </a:p>
@@ -1871,7 +1871,7 @@
           <a:p>
             <a:fld id="{14D6DE26-B321-4B04-9CC7-E4A9DF211B06}" type="datetimeFigureOut">
               <a:rPr lang="en-US" smtClean="0"/>
-              <a:t>7/6/2018</a:t>
+              <a:t>10/18/2018</a:t>
             </a:fld>
             <a:endParaRPr lang="en-US"/>
           </a:p>
@@ -2025,7 +2025,7 @@
           <a:p>
             <a:fld id="{14D6DE26-B321-4B04-9CC7-E4A9DF211B06}" type="datetimeFigureOut">
               <a:rPr lang="en-US" smtClean="0"/>
-              <a:t>7/6/2018</a:t>
+              <a:t>10/18/2018</a:t>
             </a:fld>
             <a:endParaRPr lang="en-US"/>
           </a:p>
@@ -2151,7 +2151,7 @@
           <a:p>
             <a:fld id="{14D6DE26-B321-4B04-9CC7-E4A9DF211B06}" type="datetimeFigureOut">
               <a:rPr lang="en-US" smtClean="0"/>
-              <a:t>7/6/2018</a:t>
+              <a:t>10/18/2018</a:t>
             </a:fld>
             <a:endParaRPr lang="en-US"/>
           </a:p>
@@ -2402,7 +2402,7 @@
           <a:p>
             <a:fld id="{14D6DE26-B321-4B04-9CC7-E4A9DF211B06}" type="datetimeFigureOut">
               <a:rPr lang="en-US" smtClean="0"/>
-              <a:t>7/6/2018</a:t>
+              <a:t>10/18/2018</a:t>
             </a:fld>
             <a:endParaRPr lang="en-US"/>
           </a:p>
@@ -2852,7 +2852,7 @@
           <a:p>
             <a:fld id="{14D6DE26-B321-4B04-9CC7-E4A9DF211B06}" type="datetimeFigureOut">
               <a:rPr lang="en-US" smtClean="0"/>
-              <a:t>7/6/2018</a:t>
+              <a:t>10/18/2018</a:t>
             </a:fld>
             <a:endParaRPr lang="en-US"/>
           </a:p>
@@ -3178,7 +3178,7 @@
           <a:p>
             <a:fld id="{14D6DE26-B321-4B04-9CC7-E4A9DF211B06}" type="datetimeFigureOut">
               <a:rPr lang="en-US" smtClean="0"/>
-              <a:t>7/6/2018</a:t>
+              <a:t>10/18/2018</a:t>
             </a:fld>
             <a:endParaRPr lang="en-US"/>
           </a:p>
@@ -3752,7 +3752,11 @@
             <a:pPr algn="ctr"/>
             <a:r>
               <a:rPr lang="es-MX" dirty="0" smtClean="0"/>
-              <a:t>JULIO 2018</a:t>
+              <a:t>OCTUBRE </a:t>
+            </a:r>
+            <a:r>
+              <a:rPr lang="es-MX" dirty="0" smtClean="0"/>
+              <a:t>2018</a:t>
             </a:r>
             <a:endParaRPr lang="en-US" dirty="0"/>
           </a:p>
@@ -3862,7 +3866,12 @@
             <p:ph idx="1"/>
           </p:nvPr>
         </p:nvSpPr>
-        <p:spPr/>
+        <p:spPr>
+          <a:xfrm>
+            <a:off x="514319" y="2015732"/>
+            <a:ext cx="11144281" cy="3790708"/>
+          </a:xfrm>
+        </p:spPr>
         <p:txBody>
           <a:bodyPr>
             <a:normAutofit/>
@@ -3871,7 +3880,31 @@
           <a:p>
             <a:r>
               <a:rPr lang="es-PE" dirty="0"/>
-              <a:t>La adolescencia es una etapa trascendental en la vida de todo ser humano, ya que es donde se consolidan varios aspectos de la personalidad que son base para la madurez física, emocional, y cognitiva que el individuo ha experimentado en esta etapa de su vida. A pesar de que no se puede definir una edad exacta en la que inicia la adolescencia, se estima que comienza entre los 12 y 13 </a:t>
+              <a:t>La adolescencia es una etapa trascendental en la vida de todo ser humano, ya que es donde se consolidan varios aspectos de la personalidad que son base para la madurez física, emocional, y cognitiva que el individuo ha </a:t>
+            </a:r>
+            <a:r>
+              <a:rPr lang="es-PE" dirty="0" smtClean="0"/>
+              <a:t>experimentado </a:t>
+            </a:r>
+            <a:r>
+              <a:rPr lang="es-PE" dirty="0"/>
+              <a:t>en esta etapa de su vida. A pesar de que no se puede definir una edad exacta en la que inicia la adolescencia, se estima que comienza entre </a:t>
+            </a:r>
+            <a:r>
+              <a:rPr lang="es-PE" dirty="0"/>
+              <a:t>	</a:t>
+            </a:r>
+            <a:r>
+              <a:rPr lang="es-PE" dirty="0" smtClean="0"/>
+              <a:t>		         </a:t>
+            </a:r>
+            <a:r>
+              <a:rPr lang="es-PE" dirty="0" smtClean="0"/>
+              <a:t>los </a:t>
+            </a:r>
+            <a:r>
+              <a:rPr lang="es-PE" dirty="0"/>
+              <a:t>12 y 13 </a:t>
             </a:r>
             <a:r>
               <a:rPr lang="es-PE" dirty="0" smtClean="0"/>
@@ -3903,6 +3936,46 @@
           </a:p>
         </p:txBody>
       </p:sp>
+      <p:pic>
+        <p:nvPicPr>
+          <p:cNvPr id="4" name="Imagen 3"/>
+          <p:cNvPicPr>
+            <a:picLocks noChangeAspect="1"/>
+          </p:cNvPicPr>
+          <p:nvPr/>
+        </p:nvPicPr>
+        <p:blipFill>
+          <a:blip r:embed="rId2">
+            <a:clrChange>
+              <a:clrFrom>
+                <a:srgbClr val="FAFEFD"/>
+              </a:clrFrom>
+              <a:clrTo>
+                <a:srgbClr val="FAFEFD">
+                  <a:alpha val="0"/>
+                </a:srgbClr>
+              </a:clrTo>
+            </a:clrChange>
+            <a:extLst>
+              <a:ext uri="{28A0092B-C50C-407E-A947-70E740481C1C}">
+                <a14:useLocalDpi xmlns:a14="http://schemas.microsoft.com/office/drawing/2010/main" val="0"/>
+              </a:ext>
+            </a:extLst>
+          </a:blip>
+          <a:stretch>
+            <a:fillRect/>
+          </a:stretch>
+        </p:blipFill>
+        <p:spPr>
+          <a:xfrm>
+            <a:off x="8574405" y="3108960"/>
+            <a:ext cx="4112894" cy="4112894"/>
+          </a:xfrm>
+          <a:prstGeom prst="rect">
+            <a:avLst/>
+          </a:prstGeom>
+        </p:spPr>
+      </p:pic>
     </p:spTree>
     <p:extLst>
       <p:ext uri="{BB962C8B-B14F-4D97-AF65-F5344CB8AC3E}">
@@ -3978,7 +4051,12 @@
             <p:ph idx="1"/>
           </p:nvPr>
         </p:nvSpPr>
-        <p:spPr/>
+        <p:spPr>
+          <a:xfrm>
+            <a:off x="502920" y="2015732"/>
+            <a:ext cx="7315200" cy="3836428"/>
+          </a:xfrm>
+        </p:spPr>
         <p:txBody>
           <a:bodyPr/>
           <a:lstStyle/>
@@ -4015,6 +4093,40 @@
           </a:p>
         </p:txBody>
       </p:sp>
+      <p:pic>
+        <p:nvPicPr>
+          <p:cNvPr id="4" name="Imagen 3"/>
+          <p:cNvPicPr>
+            <a:picLocks noChangeAspect="1"/>
+          </p:cNvPicPr>
+          <p:nvPr/>
+        </p:nvPicPr>
+        <p:blipFill rotWithShape="1">
+          <a:blip r:embed="rId2">
+            <a:clrChange>
+              <a:clrFrom>
+                <a:srgbClr val="FFFFFF"/>
+              </a:clrFrom>
+              <a:clrTo>
+                <a:srgbClr val="FFFFFF">
+                  <a:alpha val="0"/>
+                </a:srgbClr>
+              </a:clrTo>
+            </a:clrChange>
+          </a:blip>
+          <a:srcRect b="5044"/>
+          <a:stretch/>
+        </p:blipFill>
+        <p:spPr>
+          <a:xfrm>
+            <a:off x="8013436" y="2182774"/>
+            <a:ext cx="3695812" cy="3669386"/>
+          </a:xfrm>
+          <a:prstGeom prst="rect">
+            <a:avLst/>
+          </a:prstGeom>
+        </p:spPr>
+      </p:pic>
     </p:spTree>
     <p:extLst>
       <p:ext uri="{BB962C8B-B14F-4D97-AF65-F5344CB8AC3E}">
@@ -4092,8 +4204,8 @@
         </p:nvSpPr>
         <p:spPr>
           <a:xfrm>
-            <a:off x="1451579" y="2015732"/>
-            <a:ext cx="9603275" cy="3859288"/>
+            <a:off x="525781" y="2015732"/>
+            <a:ext cx="11178539" cy="3859288"/>
           </a:xfrm>
         </p:spPr>
         <p:txBody>
@@ -4129,7 +4241,15 @@
             </a:r>
             <a:r>
               <a:rPr lang="es-MX" dirty="0"/>
-              <a:t>son las verdaderas causas, prevalecen los factores socioculturales como la presión social por ser delgados, estándares físicos que se tiene por determinados roles de género y conflictos </a:t>
+              <a:t>son las verdaderas causas, prevalecen los factores socioculturales como la presión social por ser delgados, estándares físicos que </a:t>
+            </a:r>
+            <a:r>
+              <a:rPr lang="es-MX" dirty="0" smtClean="0"/>
+              <a:t>se					 </a:t>
+            </a:r>
+            <a:r>
+              <a:rPr lang="es-MX" dirty="0"/>
+              <a:t>tiene por determinados roles de género y conflictos </a:t>
             </a:r>
             <a:r>
               <a:rPr lang="es-MX" dirty="0" smtClean="0"/>
@@ -4173,6 +4293,29 @@
           </a:p>
         </p:txBody>
       </p:sp>
+      <p:pic>
+        <p:nvPicPr>
+          <p:cNvPr id="4" name="Imagen 3"/>
+          <p:cNvPicPr>
+            <a:picLocks noChangeAspect="1"/>
+          </p:cNvPicPr>
+          <p:nvPr/>
+        </p:nvPicPr>
+        <p:blipFill rotWithShape="1">
+          <a:blip r:embed="rId2"/>
+          <a:srcRect l="8361" r="4882"/>
+          <a:stretch/>
+        </p:blipFill>
+        <p:spPr>
+          <a:xfrm>
+            <a:off x="7818120" y="3202494"/>
+            <a:ext cx="4120292" cy="2672526"/>
+          </a:xfrm>
+          <a:prstGeom prst="rect">
+            <a:avLst/>
+          </a:prstGeom>
+        </p:spPr>
+      </p:pic>
     </p:spTree>
     <p:extLst>
       <p:ext uri="{BB962C8B-B14F-4D97-AF65-F5344CB8AC3E}">
@@ -4250,12 +4393,12 @@
         </p:nvSpPr>
         <p:spPr>
           <a:xfrm>
-            <a:off x="1451579" y="2015732"/>
-            <a:ext cx="9603275" cy="3859288"/>
-          </a:xfrm>
-        </p:spPr>
-        <p:txBody>
-          <a:bodyPr>
+            <a:off x="411480" y="2015732"/>
+            <a:ext cx="7950316" cy="4087888"/>
+          </a:xfrm>
+        </p:spPr>
+        <p:txBody>
+          <a:bodyPr anchor="ctr">
             <a:normAutofit/>
           </a:bodyPr>
           <a:lstStyle/>
@@ -4274,12 +4417,16 @@
               <a:t>ANOREXIA NERVIOSA:  </a:t>
             </a:r>
             <a:r>
-              <a:rPr lang="es-PE" dirty="0" smtClean="0"/>
-              <a:t>Es </a:t>
+              <a:rPr lang="es-MX" dirty="0" smtClean="0"/>
+              <a:t>S</a:t>
+            </a:r>
+            <a:r>
+              <a:rPr lang="es-PE" dirty="0" smtClean="0"/>
+              <a:t>e </a:t>
             </a:r>
             <a:r>
               <a:rPr lang="es-PE" dirty="0"/>
-              <a:t>un TCA que se manifiesta como un deseo irrefrenable de estar delgado, acompañado por la práctica voluntaria de procedimientos para conseguirlo: dieta restrictiva </a:t>
+              <a:t>manifiesta como un deseo irrefrenable de estar delgado, acompañado por la práctica voluntaria de procedimientos para conseguirlo: dieta restrictiva </a:t>
             </a:r>
             <a:r>
               <a:rPr lang="es-PE" dirty="0" smtClean="0"/>
@@ -4294,16 +4441,82 @@
           <a:p>
             <a:r>
               <a:rPr lang="es-PE" dirty="0" smtClean="0"/>
-              <a:t>BULIMIA NERVIOSA:  Es </a:t>
+              <a:t>BULIMIA NERVIOSA:  </a:t>
+            </a:r>
+            <a:r>
+              <a:rPr lang="es-PE" dirty="0" smtClean="0"/>
+              <a:t>Se </a:t>
             </a:r>
             <a:r>
               <a:rPr lang="es-PE" dirty="0"/>
-              <a:t>un TCA que se caracteriza por episodios de atracones, es decir, ingesta de alimentos de manera voraz e incontrolada, en los cuales se ingiere una gran cantidad de alimento en poco espacio de tiempo y generalmente en secreto. Sin embargo, estas personas intentan compensar lo ingerido con maniobras purgativas, como vómitos auto inducidos o abuso de laxantes e hiperactividad física. </a:t>
+              <a:t>caracteriza por episodios de atracones, es decir, ingesta de alimentos de manera voraz e </a:t>
+            </a:r>
+            <a:r>
+              <a:rPr lang="es-PE" dirty="0" smtClean="0"/>
+              <a:t>incontrolada en </a:t>
+            </a:r>
+            <a:r>
+              <a:rPr lang="es-PE" dirty="0"/>
+              <a:t>poco espacio de tiempo y generalmente en secreto. Sin embargo, estas personas intentan </a:t>
+            </a:r>
+            <a:r>
+              <a:rPr lang="es-PE" dirty="0" smtClean="0"/>
+              <a:t>compensarlo con </a:t>
+            </a:r>
+            <a:r>
+              <a:rPr lang="es-PE" dirty="0"/>
+              <a:t>maniobras purgativas, como vómitos auto inducidos o abuso de laxantes e hiperactividad física. </a:t>
             </a:r>
             <a:endParaRPr lang="es-MX" dirty="0"/>
           </a:p>
         </p:txBody>
       </p:sp>
+      <p:pic>
+        <p:nvPicPr>
+          <p:cNvPr id="6" name="Imagen 5"/>
+          <p:cNvPicPr>
+            <a:picLocks noChangeAspect="1"/>
+          </p:cNvPicPr>
+          <p:nvPr/>
+        </p:nvPicPr>
+        <p:blipFill rotWithShape="1">
+          <a:blip r:embed="rId2"/>
+          <a:srcRect l="1924" t="24123" r="57031"/>
+          <a:stretch/>
+        </p:blipFill>
+        <p:spPr>
+          <a:xfrm>
+            <a:off x="8361796" y="2015732"/>
+            <a:ext cx="2551476" cy="2649666"/>
+          </a:xfrm>
+          <a:prstGeom prst="rect">
+            <a:avLst/>
+          </a:prstGeom>
+        </p:spPr>
+      </p:pic>
+      <p:pic>
+        <p:nvPicPr>
+          <p:cNvPr id="8" name="Imagen 7"/>
+          <p:cNvPicPr>
+            <a:picLocks noChangeAspect="1"/>
+          </p:cNvPicPr>
+          <p:nvPr/>
+        </p:nvPicPr>
+        <p:blipFill rotWithShape="1">
+          <a:blip r:embed="rId3"/>
+          <a:srcRect l="56044" t="29780" r="13626" b="23627"/>
+          <a:stretch/>
+        </p:blipFill>
+        <p:spPr>
+          <a:xfrm>
+            <a:off x="9713122" y="4059676"/>
+            <a:ext cx="2400300" cy="2765563"/>
+          </a:xfrm>
+          <a:prstGeom prst="rect">
+            <a:avLst/>
+          </a:prstGeom>
+        </p:spPr>
+      </p:pic>
     </p:spTree>
     <p:extLst>
       <p:ext uri="{BB962C8B-B14F-4D97-AF65-F5344CB8AC3E}">
@@ -4381,8 +4594,8 @@
         </p:nvSpPr>
         <p:spPr>
           <a:xfrm>
-            <a:off x="1451579" y="2015732"/>
-            <a:ext cx="9603275" cy="3859288"/>
+            <a:off x="411481" y="2015732"/>
+            <a:ext cx="7292339" cy="3859288"/>
           </a:xfrm>
         </p:spPr>
         <p:txBody>
@@ -4406,15 +4619,45 @@
             </a:r>
             <a:r>
               <a:rPr lang="es-PE" dirty="0"/>
-              <a:t>TCANE son habitualmente cuadros de AN o BN incompletos, ya sea por su inicio o porque están en vías de resolución. Por lo tanto, en ellos veremos síntomas similares a la AN o a la BN pero sin llegar a configurar un cuadro completo, aunque no por ello menos grave</a:t>
+              <a:t>TCANE son habitualmente cuadros de AN o BN incompletos, ya sea por su inicio o porque están en vías de resolución. Por lo tanto, en ellos veremos síntomas similares a la AN o a la BN pero sin llegar a configurar un cuadro completo, aunque no por ello menos </a:t>
+            </a:r>
+            <a:r>
+              <a:rPr lang="es-PE" dirty="0" smtClean="0"/>
+              <a:t>grave</a:t>
             </a:r>
             <a:endParaRPr lang="es-PE" dirty="0" smtClean="0"/>
           </a:p>
-          <a:p>
-            <a:endParaRPr lang="es-MX" dirty="0"/>
-          </a:p>
-        </p:txBody>
-      </p:sp>
+        </p:txBody>
+      </p:sp>
+      <p:pic>
+        <p:nvPicPr>
+          <p:cNvPr id="4" name="Imagen 3"/>
+          <p:cNvPicPr>
+            <a:picLocks noChangeAspect="1"/>
+          </p:cNvPicPr>
+          <p:nvPr/>
+        </p:nvPicPr>
+        <p:blipFill rotWithShape="1">
+          <a:blip r:embed="rId2">
+            <a:extLst>
+              <a:ext uri="{28A0092B-C50C-407E-A947-70E740481C1C}">
+                <a14:useLocalDpi xmlns:a14="http://schemas.microsoft.com/office/drawing/2010/main" val="0"/>
+              </a:ext>
+            </a:extLst>
+          </a:blip>
+          <a:srcRect l="12609" r="5478" b="4698"/>
+          <a:stretch/>
+        </p:blipFill>
+        <p:spPr>
+          <a:xfrm>
+            <a:off x="8138160" y="2393780"/>
+            <a:ext cx="3427668" cy="3138340"/>
+          </a:xfrm>
+          <a:prstGeom prst="rect">
+            <a:avLst/>
+          </a:prstGeom>
+        </p:spPr>
+      </p:pic>
     </p:spTree>
     <p:extLst>
       <p:ext uri="{BB962C8B-B14F-4D97-AF65-F5344CB8AC3E}">
@@ -4487,8 +4730,8 @@
         </p:nvSpPr>
         <p:spPr>
           <a:xfrm>
-            <a:off x="1451579" y="2015732"/>
-            <a:ext cx="9603275" cy="4071559"/>
+            <a:off x="502921" y="2015732"/>
+            <a:ext cx="7840979" cy="4071559"/>
           </a:xfrm>
         </p:spPr>
         <p:txBody>
@@ -4507,7 +4750,15 @@
             </a:r>
             <a:r>
               <a:rPr lang="es-PE" dirty="0"/>
-              <a:t>web se ha convertido en un instrumento de uso cotidiano para el intercambio de información en nuestra </a:t>
+              <a:t>web se ha convertido en un instrumento </a:t>
+            </a:r>
+            <a:r>
+              <a:rPr lang="es-PE" dirty="0" smtClean="0"/>
+              <a:t>para </a:t>
+            </a:r>
+            <a:r>
+              <a:rPr lang="es-PE" dirty="0"/>
+              <a:t>el intercambio de información en nuestra </a:t>
             </a:r>
             <a:r>
               <a:rPr lang="es-PE" dirty="0" smtClean="0"/>
@@ -4521,7 +4772,39 @@
             </a:r>
             <a:r>
               <a:rPr lang="es-PE" dirty="0"/>
-              <a:t>usuarios han comenzado a interactuar con la web más allá de la búsqueda y consulta de información. La idea fundamental ahora se centra en establecer redes o comunidades de usuarios que trabajos con una serie de servicios basados en aplicaciones web. </a:t>
+              <a:t>usuarios </a:t>
+            </a:r>
+            <a:r>
+              <a:rPr lang="es-PE" dirty="0" smtClean="0"/>
+              <a:t>interactúan con </a:t>
+            </a:r>
+            <a:r>
+              <a:rPr lang="es-PE" dirty="0"/>
+              <a:t>la web más allá de la búsqueda y </a:t>
+            </a:r>
+            <a:r>
+              <a:rPr lang="es-PE" dirty="0" smtClean="0"/>
+              <a:t>consulta, ahora </a:t>
+            </a:r>
+            <a:r>
+              <a:rPr lang="es-PE" dirty="0"/>
+              <a:t>se </a:t>
+            </a:r>
+            <a:r>
+              <a:rPr lang="es-PE" dirty="0" smtClean="0"/>
+              <a:t>centran </a:t>
+            </a:r>
+            <a:r>
+              <a:rPr lang="es-PE" dirty="0"/>
+              <a:t>en establecer redes o comunidades de usuarios que </a:t>
+            </a:r>
+            <a:r>
+              <a:rPr lang="es-PE" dirty="0" smtClean="0"/>
+              <a:t>trabajan </a:t>
+            </a:r>
+            <a:r>
+              <a:rPr lang="es-PE" dirty="0"/>
+              <a:t>con una serie de servicios basados en aplicaciones web. </a:t>
             </a:r>
             <a:endParaRPr lang="es-PE" dirty="0" smtClean="0"/>
           </a:p>
@@ -4532,13 +4815,9 @@
             </a:r>
             <a:r>
               <a:rPr lang="es-MX" dirty="0"/>
-              <a:t>es consecuencia de los desarrollos tecnológicos en los máximos representantes de las TIC: los ordenadores, la informática, Internet y los Smartphone. Su impacto social actual es </a:t>
-            </a:r>
-            <a:r>
-              <a:rPr lang="es-MX" dirty="0" smtClean="0"/>
-              <a:t>innegable.</a:t>
-            </a:r>
-            <a:endParaRPr lang="es-PE" dirty="0" smtClean="0"/>
+              <a:t>es consecuencia de los desarrollos tecnológicos en los máximos representantes de las TIC: los ordenadores, la informática, Internet y los Smartphone. </a:t>
+            </a:r>
+            <a:endParaRPr lang="es-MX" dirty="0" smtClean="0"/>
           </a:p>
           <a:p>
             <a:r>
@@ -4547,16 +4826,46 @@
             </a:r>
             <a:r>
               <a:rPr lang="es-PE" dirty="0"/>
-              <a:t>lo más destacable en esta evolución sea su amplificación de uso, de ramificación y de </a:t>
-            </a:r>
-            <a:r>
-              <a:rPr lang="es-PE" dirty="0" smtClean="0"/>
-              <a:t>desarrollo.</a:t>
+              <a:t>lo más destacable en esta evolución sea su amplificación de uso, </a:t>
+            </a:r>
+            <a:r>
+              <a:rPr lang="es-PE" dirty="0" smtClean="0"/>
+              <a:t>su intervención en distintas ramas y el desarrollo avanzado.</a:t>
             </a:r>
             <a:endParaRPr lang="en-US" dirty="0"/>
           </a:p>
         </p:txBody>
       </p:sp>
+      <p:pic>
+        <p:nvPicPr>
+          <p:cNvPr id="4" name="Imagen 3"/>
+          <p:cNvPicPr>
+            <a:picLocks noChangeAspect="1"/>
+          </p:cNvPicPr>
+          <p:nvPr/>
+        </p:nvPicPr>
+        <p:blipFill>
+          <a:blip r:embed="rId2">
+            <a:extLst>
+              <a:ext uri="{28A0092B-C50C-407E-A947-70E740481C1C}">
+                <a14:useLocalDpi xmlns:a14="http://schemas.microsoft.com/office/drawing/2010/main" val="0"/>
+              </a:ext>
+            </a:extLst>
+          </a:blip>
+          <a:stretch>
+            <a:fillRect/>
+          </a:stretch>
+        </p:blipFill>
+        <p:spPr>
+          <a:xfrm>
+            <a:off x="8547100" y="2753253"/>
+            <a:ext cx="3217476" cy="2413107"/>
+          </a:xfrm>
+          <a:prstGeom prst="rect">
+            <a:avLst/>
+          </a:prstGeom>
+        </p:spPr>
+      </p:pic>
     </p:spTree>
     <p:extLst>
       <p:ext uri="{BB962C8B-B14F-4D97-AF65-F5344CB8AC3E}">
@@ -4627,7 +4936,12 @@
             <p:ph idx="1"/>
           </p:nvPr>
         </p:nvSpPr>
-        <p:spPr/>
+        <p:spPr>
+          <a:xfrm>
+            <a:off x="445739" y="2198612"/>
+            <a:ext cx="7418101" cy="3722128"/>
+          </a:xfrm>
+        </p:spPr>
         <p:txBody>
           <a:bodyPr anchor="ctr"/>
           <a:lstStyle/>
@@ -4648,6 +4962,35 @@
           </a:p>
         </p:txBody>
       </p:sp>
+      <p:pic>
+        <p:nvPicPr>
+          <p:cNvPr id="6" name="Imagen 5"/>
+          <p:cNvPicPr>
+            <a:picLocks noChangeAspect="1"/>
+          </p:cNvPicPr>
+          <p:nvPr/>
+        </p:nvPicPr>
+        <p:blipFill rotWithShape="1">
+          <a:blip r:embed="rId2">
+            <a:extLst>
+              <a:ext uri="{28A0092B-C50C-407E-A947-70E740481C1C}">
+                <a14:useLocalDpi xmlns:a14="http://schemas.microsoft.com/office/drawing/2010/main" val="0"/>
+              </a:ext>
+            </a:extLst>
+          </a:blip>
+          <a:srcRect l="13112"/>
+          <a:stretch/>
+        </p:blipFill>
+        <p:spPr>
+          <a:xfrm>
+            <a:off x="8069580" y="2484120"/>
+            <a:ext cx="3787140" cy="2905760"/>
+          </a:xfrm>
+          <a:prstGeom prst="rect">
+            <a:avLst/>
+          </a:prstGeom>
+        </p:spPr>
+      </p:pic>
     </p:spTree>
     <p:extLst>
       <p:ext uri="{BB962C8B-B14F-4D97-AF65-F5344CB8AC3E}">
@@ -4725,8 +5068,8 @@
         </p:nvSpPr>
         <p:spPr>
           <a:xfrm>
-            <a:off x="822960" y="2015732"/>
-            <a:ext cx="10998925" cy="4228314"/>
+            <a:off x="434340" y="2015732"/>
+            <a:ext cx="11387545" cy="4228314"/>
           </a:xfrm>
         </p:spPr>
         <p:txBody>
@@ -4935,7 +5278,12 @@
             <p:ph idx="1"/>
           </p:nvPr>
         </p:nvSpPr>
-        <p:spPr/>
+        <p:spPr>
+          <a:xfrm>
+            <a:off x="457201" y="2015732"/>
+            <a:ext cx="8229599" cy="3859288"/>
+          </a:xfrm>
+        </p:spPr>
         <p:txBody>
           <a:bodyPr anchor="ctr"/>
           <a:lstStyle/>
@@ -4948,6 +5296,46 @@
           </a:p>
         </p:txBody>
       </p:sp>
+      <p:pic>
+        <p:nvPicPr>
+          <p:cNvPr id="4" name="Imagen 3"/>
+          <p:cNvPicPr>
+            <a:picLocks noChangeAspect="1"/>
+          </p:cNvPicPr>
+          <p:nvPr/>
+        </p:nvPicPr>
+        <p:blipFill>
+          <a:blip r:embed="rId2">
+            <a:clrChange>
+              <a:clrFrom>
+                <a:srgbClr val="FFFFFF"/>
+              </a:clrFrom>
+              <a:clrTo>
+                <a:srgbClr val="FFFFFF">
+                  <a:alpha val="0"/>
+                </a:srgbClr>
+              </a:clrTo>
+            </a:clrChange>
+            <a:extLst>
+              <a:ext uri="{28A0092B-C50C-407E-A947-70E740481C1C}">
+                <a14:useLocalDpi xmlns:a14="http://schemas.microsoft.com/office/drawing/2010/main" val="0"/>
+              </a:ext>
+            </a:extLst>
+          </a:blip>
+          <a:stretch>
+            <a:fillRect/>
+          </a:stretch>
+        </p:blipFill>
+        <p:spPr>
+          <a:xfrm>
+            <a:off x="9206865" y="1836541"/>
+            <a:ext cx="2617348" cy="4217670"/>
+          </a:xfrm>
+          <a:prstGeom prst="rect">
+            <a:avLst/>
+          </a:prstGeom>
+        </p:spPr>
+      </p:pic>
     </p:spTree>
     <p:extLst>
       <p:ext uri="{BB962C8B-B14F-4D97-AF65-F5344CB8AC3E}">
@@ -5020,12 +5408,12 @@
         </p:nvSpPr>
         <p:spPr>
           <a:xfrm>
-            <a:off x="1451579" y="2015732"/>
-            <a:ext cx="4309141" cy="3450613"/>
-          </a:xfrm>
-        </p:spPr>
-        <p:txBody>
-          <a:bodyPr/>
+            <a:off x="594361" y="2015732"/>
+            <a:ext cx="5166360" cy="3927868"/>
+          </a:xfrm>
+        </p:spPr>
+        <p:txBody>
+          <a:bodyPr anchor="ctr"/>
           <a:lstStyle/>
           <a:p>
             <a:r>
@@ -5042,11 +5430,13 @@
             </a:r>
             <a:r>
               <a:rPr lang="es-PE" dirty="0" smtClean="0"/>
-              <a:t>lúdicos.</a:t>
-            </a:r>
-          </a:p>
-          <a:p>
-            <a:endParaRPr lang="en-US" dirty="0"/>
+              <a:t>lúdicos</a:t>
+            </a:r>
+            <a:r>
+              <a:rPr lang="es-PE" dirty="0" smtClean="0"/>
+              <a:t>.</a:t>
+            </a:r>
+            <a:endParaRPr lang="es-PE" dirty="0" smtClean="0"/>
           </a:p>
         </p:txBody>
       </p:sp>
@@ -5064,8 +5454,8 @@
         </p:blipFill>
         <p:spPr>
           <a:xfrm>
-            <a:off x="6253216" y="2248716"/>
-            <a:ext cx="4820194" cy="3322131"/>
+            <a:off x="6413236" y="2271576"/>
+            <a:ext cx="5128856" cy="3534864"/>
           </a:xfrm>
           <a:prstGeom prst="rect">
             <a:avLst/>
@@ -5260,7 +5650,7 @@
           <a:p>
             <a:r>
               <a:rPr lang="es-PE" dirty="0" smtClean="0"/>
-              <a:t>Estado del arte</a:t>
+              <a:t>ESTUDIOS</a:t>
             </a:r>
             <a:endParaRPr lang="en-US" dirty="0"/>
           </a:p>
@@ -5334,8 +5724,8 @@
         </p:nvSpPr>
         <p:spPr>
           <a:xfrm>
-            <a:off x="1280159" y="300446"/>
-            <a:ext cx="10189029" cy="1553309"/>
+            <a:off x="228600" y="251460"/>
+            <a:ext cx="11590019" cy="1602295"/>
           </a:xfrm>
         </p:spPr>
         <p:txBody>
@@ -5353,7 +5743,7 @@
               </a:spcBef>
             </a:pPr>
             <a:r>
-              <a:rPr lang="es-PE" sz="2400" kern="1200" cap="all" dirty="0">
+              <a:rPr lang="es-PE" sz="2700" kern="1200" cap="all" dirty="0">
                 <a:solidFill>
                   <a:schemeClr val="tx1"/>
                 </a:solidFill>
@@ -5364,7 +5754,7 @@
               <a:t>Validez y utilidad diagnóstica de la escala </a:t>
             </a:r>
             <a:r>
-              <a:rPr lang="es-PE" sz="2400" kern="1200" cap="all" dirty="0" err="1">
+              <a:rPr lang="es-PE" sz="2700" kern="1200" cap="all" dirty="0" err="1">
                 <a:solidFill>
                   <a:schemeClr val="tx1"/>
                 </a:solidFill>
@@ -5375,7 +5765,7 @@
               <a:t>Eating</a:t>
             </a:r>
             <a:r>
-              <a:rPr lang="es-PE" sz="2400" kern="1200" cap="all" dirty="0">
+              <a:rPr lang="es-PE" sz="2700" kern="1200" cap="all" dirty="0">
                 <a:solidFill>
                   <a:schemeClr val="tx1"/>
                 </a:solidFill>
@@ -5386,7 +5776,7 @@
               <a:t> </a:t>
             </a:r>
             <a:r>
-              <a:rPr lang="es-PE" sz="2400" kern="1200" cap="all" dirty="0" err="1">
+              <a:rPr lang="es-PE" sz="2700" kern="1200" cap="all" dirty="0" err="1">
                 <a:solidFill>
                   <a:schemeClr val="tx1"/>
                 </a:solidFill>
@@ -5397,7 +5787,7 @@
               <a:t>Attitudes</a:t>
             </a:r>
             <a:r>
-              <a:rPr lang="es-PE" sz="2400" kern="1200" cap="all" dirty="0">
+              <a:rPr lang="es-PE" sz="2700" kern="1200" cap="all" dirty="0">
                 <a:solidFill>
                   <a:schemeClr val="tx1"/>
                 </a:solidFill>
@@ -5407,7 +5797,7 @@
               </a:rPr>
               <a:t> Test-26 para la evaluación del riesgo de trastornos de la conducta alimentaria en población masculina de Medellín, Colombia</a:t>
             </a:r>
-            <a:endParaRPr lang="en-US" sz="2400" kern="1200" cap="all" dirty="0">
+            <a:endParaRPr lang="en-US" sz="2700" kern="1200" cap="all" dirty="0">
               <a:solidFill>
                 <a:schemeClr val="tx1"/>
               </a:solidFill>
@@ -5508,25 +5898,41 @@
         </p:nvSpPr>
         <p:spPr>
           <a:xfrm>
-            <a:off x="1451579" y="470263"/>
-            <a:ext cx="9603275" cy="1383491"/>
-          </a:xfrm>
-        </p:spPr>
-        <p:txBody>
-          <a:bodyPr>
-            <a:normAutofit fontScale="90000"/>
+            <a:off x="434340" y="182880"/>
+            <a:ext cx="11247119" cy="1670874"/>
+          </a:xfrm>
+        </p:spPr>
+        <p:txBody>
+          <a:bodyPr anchor="ctr">
+            <a:normAutofit/>
           </a:bodyPr>
           <a:lstStyle/>
           <a:p>
             <a:r>
-              <a:rPr lang="es-MX" dirty="0" smtClean="0"/>
+              <a:rPr lang="es-MX" sz="2900" dirty="0" smtClean="0"/>
               <a:t>Perfeccionismo </a:t>
             </a:r>
             <a:r>
-              <a:rPr lang="es-MX" dirty="0"/>
-              <a:t>y baja autoestima a través del continuo de los trastornos alimentarios en adolescentes mujeres de Buenos Aires</a:t>
-            </a:r>
-            <a:endParaRPr lang="en-US" dirty="0"/>
+              <a:rPr lang="es-MX" sz="2900" dirty="0"/>
+              <a:t>y </a:t>
+            </a:r>
+            <a:r>
+              <a:rPr lang="es-MX" sz="2900" dirty="0" smtClean="0"/>
+              <a:t>baja </a:t>
+            </a:r>
+            <a:r>
+              <a:rPr lang="es-MX" sz="2900" dirty="0"/>
+              <a:t>autoestima</a:t>
+            </a:r>
+            <a:r>
+              <a:rPr lang="es-MX" sz="2900" dirty="0" smtClean="0"/>
+              <a:t> </a:t>
+            </a:r>
+            <a:r>
+              <a:rPr lang="es-MX" sz="2900" dirty="0"/>
+              <a:t>a través del continuo de los trastornos alimentarios en adolescentes mujeres de Buenos Aires</a:t>
+            </a:r>
+            <a:endParaRPr lang="en-US" sz="2900" dirty="0"/>
           </a:p>
         </p:txBody>
       </p:sp>
@@ -5540,9 +5946,14 @@
             <p:ph idx="1"/>
           </p:nvPr>
         </p:nvSpPr>
-        <p:spPr/>
-        <p:txBody>
-          <a:bodyPr/>
+        <p:spPr>
+          <a:xfrm>
+            <a:off x="434340" y="2015732"/>
+            <a:ext cx="11247119" cy="3859288"/>
+          </a:xfrm>
+        </p:spPr>
+        <p:txBody>
+          <a:bodyPr anchor="ctr"/>
           <a:lstStyle/>
           <a:p>
             <a:r>
@@ -5609,23 +6020,19 @@
         </p:nvSpPr>
         <p:spPr>
           <a:xfrm>
-            <a:off x="1451579" y="261257"/>
-            <a:ext cx="10082924" cy="1592497"/>
-          </a:xfrm>
-        </p:spPr>
-        <p:txBody>
-          <a:bodyPr>
+            <a:off x="320040" y="261257"/>
+            <a:ext cx="11475720" cy="1592497"/>
+          </a:xfrm>
+        </p:spPr>
+        <p:txBody>
+          <a:bodyPr anchor="ctr">
             <a:normAutofit fontScale="90000"/>
           </a:bodyPr>
           <a:lstStyle/>
           <a:p>
             <a:r>
               <a:rPr lang="es-PE" dirty="0" smtClean="0"/>
-              <a:t>Rol de género y actitudes alimentarias en adolescentes de dos diferentes contextos socioculturales: Tradicional vs. No </a:t>
-            </a:r>
-            <a:r>
-              <a:rPr lang="es-PE" dirty="0" smtClean="0"/>
-              <a:t>Tradicional. México</a:t>
+              <a:t>Rol de género y actitudes alimentarias en adolescentes de dos diferentes contextos socioculturales: Tradicional vs. No Tradicional. México</a:t>
             </a:r>
             <a:endParaRPr lang="es-PE" dirty="0"/>
           </a:p>
@@ -5643,12 +6050,12 @@
         </p:nvSpPr>
         <p:spPr>
           <a:xfrm>
-            <a:off x="1451579" y="2015732"/>
-            <a:ext cx="9834730" cy="4032371"/>
-          </a:xfrm>
-        </p:spPr>
-        <p:txBody>
-          <a:bodyPr>
+            <a:off x="480060" y="2015732"/>
+            <a:ext cx="11315700" cy="4032371"/>
+          </a:xfrm>
+        </p:spPr>
+        <p:txBody>
+          <a:bodyPr anchor="ctr">
             <a:normAutofit/>
           </a:bodyPr>
           <a:lstStyle/>
@@ -5720,29 +6127,29 @@
         </p:nvSpPr>
         <p:spPr>
           <a:xfrm>
-            <a:off x="927463" y="404949"/>
-            <a:ext cx="10127391" cy="1448805"/>
-          </a:xfrm>
-        </p:spPr>
-        <p:txBody>
-          <a:bodyPr>
-            <a:normAutofit fontScale="90000"/>
+            <a:off x="434340" y="404949"/>
+            <a:ext cx="11315699" cy="1448805"/>
+          </a:xfrm>
+        </p:spPr>
+        <p:txBody>
+          <a:bodyPr anchor="ctr">
+            <a:normAutofit/>
           </a:bodyPr>
           <a:lstStyle/>
           <a:p>
             <a:r>
-              <a:rPr lang="es-MX" dirty="0" smtClean="0"/>
+              <a:rPr lang="es-MX" sz="2900" dirty="0" smtClean="0"/>
               <a:t>Factores </a:t>
             </a:r>
             <a:r>
-              <a:rPr lang="es-MX" dirty="0"/>
+              <a:rPr lang="es-MX" sz="2900" dirty="0"/>
               <a:t>de riesgo de trastornos de la conducta alimentaria entre universitarios: Estimación de vulnerabilidad por sexo y edad</a:t>
             </a:r>
             <a:r>
-              <a:rPr lang="es-MX" dirty="0" smtClean="0"/>
+              <a:rPr lang="es-MX" sz="2900" dirty="0" smtClean="0"/>
               <a:t>. México</a:t>
             </a:r>
-            <a:endParaRPr lang="en-US" dirty="0"/>
+            <a:endParaRPr lang="en-US" sz="2900" dirty="0"/>
           </a:p>
         </p:txBody>
       </p:sp>
@@ -5758,13 +6165,13 @@
         </p:nvSpPr>
         <p:spPr>
           <a:xfrm>
-            <a:off x="1451579" y="2015732"/>
-            <a:ext cx="9603275" cy="3993182"/>
-          </a:xfrm>
-        </p:spPr>
-        <p:txBody>
-          <a:bodyPr>
-            <a:normAutofit fontScale="92500" lnSpcReduction="10000"/>
+            <a:off x="434341" y="2015732"/>
+            <a:ext cx="11315698" cy="3993182"/>
+          </a:xfrm>
+        </p:spPr>
+        <p:txBody>
+          <a:bodyPr anchor="ctr">
+            <a:normAutofit/>
           </a:bodyPr>
           <a:lstStyle/>
           <a:p>
@@ -5843,12 +6250,12 @@
         </p:nvSpPr>
         <p:spPr>
           <a:xfrm>
-            <a:off x="561703" y="195943"/>
-            <a:ext cx="11273246" cy="1657811"/>
-          </a:xfrm>
-        </p:spPr>
-        <p:txBody>
-          <a:bodyPr>
+            <a:off x="411480" y="195943"/>
+            <a:ext cx="11423469" cy="1657811"/>
+          </a:xfrm>
+        </p:spPr>
+        <p:txBody>
+          <a:bodyPr anchor="ctr">
             <a:normAutofit fontScale="90000"/>
           </a:bodyPr>
           <a:lstStyle/>
@@ -5881,12 +6288,12 @@
         </p:nvSpPr>
         <p:spPr>
           <a:xfrm>
-            <a:off x="1451579" y="2015732"/>
-            <a:ext cx="9603275" cy="4071559"/>
-          </a:xfrm>
-        </p:spPr>
-        <p:txBody>
-          <a:bodyPr>
+            <a:off x="411481" y="2015732"/>
+            <a:ext cx="11423468" cy="4071559"/>
+          </a:xfrm>
+        </p:spPr>
+        <p:txBody>
+          <a:bodyPr anchor="ctr">
             <a:normAutofit/>
           </a:bodyPr>
           <a:lstStyle/>
@@ -5969,25 +6376,6 @@
           </a:p>
         </p:txBody>
       </p:sp>
-      <p:sp>
-        <p:nvSpPr>
-          <p:cNvPr id="3" name="Marcador de texto 2"/>
-          <p:cNvSpPr>
-            <a:spLocks noGrp="1"/>
-          </p:cNvSpPr>
-          <p:nvPr>
-            <p:ph type="body" idx="1"/>
-          </p:nvPr>
-        </p:nvSpPr>
-        <p:spPr/>
-        <p:txBody>
-          <a:bodyPr/>
-          <a:lstStyle/>
-          <a:p>
-            <a:endParaRPr lang="en-US"/>
-          </a:p>
-        </p:txBody>
-      </p:sp>
     </p:spTree>
     <p:extLst>
       <p:ext uri="{BB962C8B-B14F-4D97-AF65-F5344CB8AC3E}">
@@ -6060,23 +6448,43 @@
         </p:nvSpPr>
         <p:spPr>
           <a:xfrm>
-            <a:off x="1162594" y="2015732"/>
-            <a:ext cx="9892260" cy="4065028"/>
-          </a:xfrm>
-        </p:spPr>
-        <p:txBody>
-          <a:bodyPr>
+            <a:off x="545374" y="1947152"/>
+            <a:ext cx="8621486" cy="4065028"/>
+          </a:xfrm>
+        </p:spPr>
+        <p:txBody>
+          <a:bodyPr anchor="ctr">
             <a:normAutofit/>
           </a:bodyPr>
           <a:lstStyle/>
           <a:p>
             <a:r>
               <a:rPr lang="es-MX" dirty="0"/>
-              <a:t>Se ha realizado un estudio para estimar la presencia de anorexia, bulimia y el trastorno por atracones en una población de adolescentes entre 12 y 17 años de edad del Distrito Federal, </a:t>
+              <a:t>Se ha realizado un estudio para estimar la presencia </a:t>
             </a:r>
             <a:r>
               <a:rPr lang="es-MX" dirty="0" smtClean="0"/>
-              <a:t>México. (2012) </a:t>
+              <a:t>de TCS </a:t>
+            </a:r>
+            <a:r>
+              <a:rPr lang="es-MX" dirty="0"/>
+              <a:t>en una población de adolescentes entre 12 y </a:t>
+            </a:r>
+            <a:r>
+              <a:rPr lang="es-MX" dirty="0" smtClean="0"/>
+              <a:t>17 </a:t>
+            </a:r>
+            <a:r>
+              <a:rPr lang="es-MX" dirty="0"/>
+              <a:t>años de edad del Distrito Federal, </a:t>
+            </a:r>
+            <a:r>
+              <a:rPr lang="es-MX" dirty="0" smtClean="0"/>
+              <a:t>México</a:t>
+            </a:r>
+            <a:r>
+              <a:rPr lang="es-MX" dirty="0" smtClean="0"/>
+              <a:t>. </a:t>
             </a:r>
             <a:r>
               <a:rPr lang="es-PE" dirty="0"/>
@@ -6088,7 +6496,31 @@
             </a:r>
             <a:r>
               <a:rPr lang="es-PE" dirty="0"/>
-              <a:t>la anorexia es el menos frecuente: 0.5% de los adolescentes cumplen los criterios para alguna vez en la vida, mientras que 1.0% cumplen criterios para bulimia y 1.4% para el trastorno por atracones. </a:t>
+              <a:t>la anorexia </a:t>
+            </a:r>
+            <a:r>
+              <a:rPr lang="es-PE" dirty="0" smtClean="0"/>
+              <a:t>tiene el 0.5</a:t>
+            </a:r>
+            <a:r>
+              <a:rPr lang="es-PE" dirty="0"/>
+              <a:t>% </a:t>
+            </a:r>
+            <a:r>
+              <a:rPr lang="es-PE" dirty="0" smtClean="0"/>
+              <a:t>en los adolescentes, el 1.0</a:t>
+            </a:r>
+            <a:r>
+              <a:rPr lang="es-PE" dirty="0"/>
+              <a:t>% cumplen criterios para bulimia </a:t>
+            </a:r>
+            <a:r>
+              <a:rPr lang="es-PE" dirty="0" smtClean="0"/>
+              <a:t>y el </a:t>
+            </a:r>
+            <a:r>
+              <a:rPr lang="es-PE" dirty="0"/>
+              <a:t>1.4% para el trastorno por atracones. </a:t>
             </a:r>
             <a:r>
               <a:rPr lang="es-PE" dirty="0" smtClean="0"/>
@@ -6096,7 +6528,15 @@
             </a:r>
             <a:r>
               <a:rPr lang="es-PE" dirty="0"/>
-              <a:t>pesar de los resultados del estudio, la mayoría de los jóvenes que cumplen criterios para algún trastorno de conducta alimentaria no recibe servicios para tratar su patología</a:t>
+              <a:t>pesar de </a:t>
+            </a:r>
+            <a:r>
+              <a:rPr lang="es-PE" dirty="0" smtClean="0"/>
+              <a:t>los resultados, </a:t>
+            </a:r>
+            <a:r>
+              <a:rPr lang="es-PE" dirty="0"/>
+              <a:t>la mayoría de los jóvenes que cumplen criterios para algún trastorno de conducta alimentaria no recibe servicios para tratar su patología</a:t>
             </a:r>
             <a:r>
               <a:rPr lang="es-PE" dirty="0" smtClean="0"/>
@@ -6110,20 +6550,63 @@
             </a:r>
             <a:r>
               <a:rPr lang="es-PE" dirty="0"/>
-              <a:t>un artículo publicado por el Ministerio de Salud (MINSA) en el 2017, indica que la presencia de problemas alimenticios en las zonas urbanas del país está en 6.0% en la región de Lima y </a:t>
-            </a:r>
-            <a:r>
-              <a:rPr lang="es-PE" dirty="0" smtClean="0"/>
-              <a:t>Callao</a:t>
-            </a:r>
-            <a:r>
-              <a:rPr lang="es-PE" dirty="0" smtClean="0"/>
-              <a:t>.</a:t>
+              <a:t>un artículo publicado por el Ministerio de </a:t>
+            </a:r>
+            <a:r>
+              <a:rPr lang="es-PE" dirty="0" smtClean="0"/>
+              <a:t>Salud </a:t>
+            </a:r>
+            <a:r>
+              <a:rPr lang="es-PE" dirty="0"/>
+              <a:t>en el 2017, indica que la presencia de problemas alimenticios en las zonas urbanas del país está en 6.0% en la región de Lima y </a:t>
+            </a:r>
+            <a:r>
+              <a:rPr lang="es-PE" dirty="0" smtClean="0"/>
+              <a:t>Callao.</a:t>
             </a:r>
             <a:endParaRPr lang="en-US" dirty="0"/>
           </a:p>
         </p:txBody>
       </p:sp>
+      <p:pic>
+        <p:nvPicPr>
+          <p:cNvPr id="4" name="Imagen 3"/>
+          <p:cNvPicPr>
+            <a:picLocks noChangeAspect="1"/>
+          </p:cNvPicPr>
+          <p:nvPr/>
+        </p:nvPicPr>
+        <p:blipFill rotWithShape="1">
+          <a:blip r:embed="rId2">
+            <a:clrChange>
+              <a:clrFrom>
+                <a:srgbClr val="FFFFFF"/>
+              </a:clrFrom>
+              <a:clrTo>
+                <a:srgbClr val="FFFFFF">
+                  <a:alpha val="0"/>
+                </a:srgbClr>
+              </a:clrTo>
+            </a:clrChange>
+            <a:extLst>
+              <a:ext uri="{28A0092B-C50C-407E-A947-70E740481C1C}">
+                <a14:useLocalDpi xmlns:a14="http://schemas.microsoft.com/office/drawing/2010/main" val="0"/>
+              </a:ext>
+            </a:extLst>
+          </a:blip>
+          <a:srcRect l="27563" r="30625"/>
+          <a:stretch/>
+        </p:blipFill>
+        <p:spPr>
+          <a:xfrm>
+            <a:off x="9661609" y="2277609"/>
+            <a:ext cx="2530391" cy="3404114"/>
+          </a:xfrm>
+          <a:prstGeom prst="rect">
+            <a:avLst/>
+          </a:prstGeom>
+        </p:spPr>
+      </p:pic>
     </p:spTree>
     <p:extLst>
       <p:ext uri="{BB962C8B-B14F-4D97-AF65-F5344CB8AC3E}">
@@ -6196,27 +6679,27 @@
         </p:nvSpPr>
         <p:spPr>
           <a:xfrm>
-            <a:off x="1028700" y="2015732"/>
-            <a:ext cx="10195561" cy="4065028"/>
-          </a:xfrm>
-        </p:spPr>
-        <p:txBody>
-          <a:bodyPr>
+            <a:off x="640081" y="1853754"/>
+            <a:ext cx="7658100" cy="4065028"/>
+          </a:xfrm>
+        </p:spPr>
+        <p:txBody>
+          <a:bodyPr anchor="ctr">
             <a:noAutofit/>
           </a:bodyPr>
           <a:lstStyle/>
           <a:p>
             <a:r>
               <a:rPr lang="es-PE" dirty="0"/>
-              <a:t>En una entrevista al director de Salud Mental del Ministerio de Salud (MINSA</a:t>
-            </a:r>
-            <a:r>
-              <a:rPr lang="es-PE" dirty="0" smtClean="0"/>
-              <a:t>) </a:t>
+              <a:t>En una entrevista </a:t>
+            </a:r>
+            <a:r>
+              <a:rPr lang="es-PE" dirty="0" smtClean="0"/>
+              <a:t>al MINSA indicó </a:t>
             </a:r>
             <a:r>
               <a:rPr lang="es-PE" dirty="0"/>
-              <a:t>indicó que en lo que iba del año se habían presentado 1062 casos de trastornos alimenticios en general, en comparación a los resultados del año anterior que fueron </a:t>
+              <a:t>que en lo que iba del año se habían presentado 1062 casos de trastornos alimenticios en general, en comparación a los resultados del año anterior que fueron </a:t>
             </a:r>
             <a:r>
               <a:rPr lang="es-PE" dirty="0" smtClean="0"/>
@@ -6228,55 +6711,18 @@
             </a:r>
             <a:r>
               <a:rPr lang="es-PE" dirty="0" smtClean="0"/>
-              <a:t>años. (2014)</a:t>
-            </a:r>
-          </a:p>
-          <a:p>
-            <a:r>
-              <a:rPr lang="es-PE" dirty="0"/>
-              <a:t>En </a:t>
-            </a:r>
-            <a:r>
-              <a:rPr lang="es-PE" dirty="0" smtClean="0"/>
-              <a:t>la </a:t>
-            </a:r>
-            <a:r>
-              <a:rPr lang="es-PE" dirty="0"/>
-              <a:t>Universidad de Costa Rica, </a:t>
-            </a:r>
-            <a:r>
-              <a:rPr lang="es-PE" dirty="0" smtClean="0"/>
-              <a:t> se hizo un estudio acerca </a:t>
-            </a:r>
-            <a:r>
-              <a:rPr lang="es-PE" dirty="0"/>
-              <a:t>del riesgo que mujeres adolescentes puedan desarrollar un cuadro clínico de anorexia nerviosa, </a:t>
-            </a:r>
-            <a:r>
-              <a:rPr lang="es-PE" dirty="0" smtClean="0"/>
-              <a:t>siendo el </a:t>
-            </a:r>
-            <a:r>
-              <a:rPr lang="es-PE" dirty="0"/>
-              <a:t>resultado </a:t>
-            </a:r>
-            <a:r>
-              <a:rPr lang="es-PE" dirty="0" smtClean="0"/>
-              <a:t>en </a:t>
-            </a:r>
-            <a:r>
-              <a:rPr lang="es-PE" dirty="0"/>
-              <a:t>mujeres con un 9.4%, y en los hombres con solo 2.3%. </a:t>
-            </a:r>
-            <a:r>
-              <a:rPr lang="es-PE" dirty="0" smtClean="0"/>
-              <a:t> </a:t>
-            </a:r>
-          </a:p>
-          <a:p>
+              <a:t>años. </a:t>
+            </a:r>
+            <a:endParaRPr lang="es-PE" dirty="0" smtClean="0"/>
+          </a:p>
+          <a:p>
+            <a:r>
+              <a:rPr lang="es-MX" dirty="0" smtClean="0"/>
+              <a:t>Según </a:t>
+            </a:r>
             <a:r>
               <a:rPr lang="es-MX" dirty="0"/>
-              <a:t>Según una investigación realizada por el Instituto Costarricense de Enseñanza e Investigación en Salud (Inciensa), la </a:t>
+              <a:t>una investigación realizada por el Instituto Costarricense de Enseñanza e Investigación en Salud (Inciensa), la </a:t>
             </a:r>
             <a:r>
               <a:rPr lang="es-MX" dirty="0" smtClean="0"/>
@@ -6290,6 +6736,45 @@
           </a:p>
         </p:txBody>
       </p:sp>
+      <p:pic>
+        <p:nvPicPr>
+          <p:cNvPr id="4" name="Imagen 3"/>
+          <p:cNvPicPr>
+            <a:picLocks noChangeAspect="1"/>
+          </p:cNvPicPr>
+          <p:nvPr/>
+        </p:nvPicPr>
+        <p:blipFill rotWithShape="1">
+          <a:blip r:embed="rId2">
+            <a:clrChange>
+              <a:clrFrom>
+                <a:srgbClr val="FEFEFE"/>
+              </a:clrFrom>
+              <a:clrTo>
+                <a:srgbClr val="FEFEFE">
+                  <a:alpha val="0"/>
+                </a:srgbClr>
+              </a:clrTo>
+            </a:clrChange>
+            <a:extLst>
+              <a:ext uri="{28A0092B-C50C-407E-A947-70E740481C1C}">
+                <a14:useLocalDpi xmlns:a14="http://schemas.microsoft.com/office/drawing/2010/main" val="0"/>
+              </a:ext>
+            </a:extLst>
+          </a:blip>
+          <a:srcRect r="11154" b="5641"/>
+          <a:stretch/>
+        </p:blipFill>
+        <p:spPr>
+          <a:xfrm>
+            <a:off x="8298181" y="2466922"/>
+            <a:ext cx="3503765" cy="2790878"/>
+          </a:xfrm>
+          <a:prstGeom prst="rect">
+            <a:avLst/>
+          </a:prstGeom>
+        </p:spPr>
+      </p:pic>
     </p:spTree>
     <p:extLst>
       <p:ext uri="{BB962C8B-B14F-4D97-AF65-F5344CB8AC3E}">
@@ -6362,9 +6847,16 @@
             <p:ph idx="1"/>
           </p:nvPr>
         </p:nvSpPr>
-        <p:spPr/>
-        <p:txBody>
-          <a:bodyPr/>
+        <p:spPr>
+          <a:xfrm>
+            <a:off x="445739" y="2244332"/>
+            <a:ext cx="8355361" cy="3450613"/>
+          </a:xfrm>
+        </p:spPr>
+        <p:txBody>
+          <a:bodyPr>
+            <a:normAutofit lnSpcReduction="10000"/>
+          </a:bodyPr>
           <a:lstStyle/>
           <a:p>
             <a:r>
@@ -6385,6 +6877,35 @@
           </a:p>
         </p:txBody>
       </p:sp>
+      <p:pic>
+        <p:nvPicPr>
+          <p:cNvPr id="4" name="Imagen 3"/>
+          <p:cNvPicPr>
+            <a:picLocks noChangeAspect="1"/>
+          </p:cNvPicPr>
+          <p:nvPr/>
+        </p:nvPicPr>
+        <p:blipFill rotWithShape="1">
+          <a:blip r:embed="rId2">
+            <a:extLst>
+              <a:ext uri="{28A0092B-C50C-407E-A947-70E740481C1C}">
+                <a14:useLocalDpi xmlns:a14="http://schemas.microsoft.com/office/drawing/2010/main" val="0"/>
+              </a:ext>
+            </a:extLst>
+          </a:blip>
+          <a:srcRect l="18906" r="19453"/>
+          <a:stretch/>
+        </p:blipFill>
+        <p:spPr>
+          <a:xfrm>
+            <a:off x="9123762" y="2244332"/>
+            <a:ext cx="3068238" cy="3276287"/>
+          </a:xfrm>
+          <a:prstGeom prst="rect">
+            <a:avLst/>
+          </a:prstGeom>
+        </p:spPr>
+      </p:pic>
     </p:spTree>
     <p:extLst>
       <p:ext uri="{BB962C8B-B14F-4D97-AF65-F5344CB8AC3E}">
@@ -6457,8 +6978,8 @@
         </p:nvSpPr>
         <p:spPr>
           <a:xfrm>
-            <a:off x="1018276" y="1960215"/>
-            <a:ext cx="10469879" cy="4065028"/>
+            <a:off x="868680" y="1968054"/>
+            <a:ext cx="10858500" cy="4097686"/>
           </a:xfrm>
         </p:spPr>
         <p:txBody>
@@ -6477,7 +6998,23 @@
             </a:r>
             <a:r>
               <a:rPr lang="es-MX" dirty="0"/>
-              <a:t>de una aplicación web utilizando gamificación para la prevención de casos de trastornos alimenticios en adolescentes en un colegio de lima metropolitana.</a:t>
+              <a:t>de una aplicación web utilizando gamificación para la prevención de casos de trastornos alimenticios en adolescentes en un colegio de </a:t>
+            </a:r>
+            <a:r>
+              <a:rPr lang="es-MX" dirty="0" smtClean="0"/>
+              <a:t>Lima </a:t>
+            </a:r>
+            <a:r>
+              <a:rPr lang="es-MX" dirty="0"/>
+              <a:t>M</a:t>
+            </a:r>
+            <a:r>
+              <a:rPr lang="es-MX" dirty="0" smtClean="0"/>
+              <a:t>etropolitana</a:t>
+            </a:r>
+            <a:r>
+              <a:rPr lang="es-MX" dirty="0"/>
+              <a:t>.</a:t>
             </a:r>
             <a:endParaRPr lang="en-US" dirty="0" smtClean="0"/>
           </a:p>
@@ -6490,34 +7027,57 @@
           <a:p>
             <a:pPr lvl="1"/>
             <a:r>
-              <a:rPr lang="es-ES" dirty="0"/>
-              <a:t>Explicar en qué consisten los test psicológicos para la detección de trastornos de conducta alimentaria.</a:t>
-            </a:r>
-            <a:endParaRPr lang="en-US" sz="1600" dirty="0"/>
+              <a:rPr lang="es-MX" dirty="0" smtClean="0"/>
+              <a:t>Revisar </a:t>
+            </a:r>
+            <a:r>
+              <a:rPr lang="es-MX" dirty="0"/>
+              <a:t>la bibliografía sobre la gamificación, y prevención de casos de trastornos alimenticios.</a:t>
+            </a:r>
           </a:p>
           <a:p>
             <a:pPr lvl="1"/>
             <a:r>
-              <a:rPr lang="es-ES" dirty="0"/>
-              <a:t>Explicar cuáles son los test psicológicos que existen, y cuáles son los más usados para trastornos de conducta alimentaria.</a:t>
-            </a:r>
-            <a:endParaRPr lang="en-US" sz="1600" dirty="0"/>
+              <a:rPr lang="es-MX" dirty="0" smtClean="0"/>
+              <a:t>Explicar </a:t>
+            </a:r>
+            <a:r>
+              <a:rPr lang="es-MX" dirty="0"/>
+              <a:t>la importancia de los test psicológicos para la detección de trastornos de conducta alimentaria.</a:t>
+            </a:r>
           </a:p>
           <a:p>
             <a:pPr lvl="1"/>
             <a:r>
-              <a:rPr lang="es-ES" dirty="0"/>
-              <a:t>Seleccionar el test psicológico que se aplicará.</a:t>
-            </a:r>
-            <a:endParaRPr lang="en-US" sz="1600" dirty="0"/>
+              <a:rPr lang="es-MX" dirty="0" smtClean="0"/>
+              <a:t>Enlistar </a:t>
+            </a:r>
+            <a:r>
+              <a:rPr lang="es-MX" dirty="0"/>
+              <a:t>los test psicológicos más usados para trastornos de conducta alimentaria.</a:t>
+            </a:r>
           </a:p>
           <a:p>
             <a:pPr lvl="1"/>
             <a:r>
-              <a:rPr lang="es-ES" dirty="0"/>
-              <a:t>Explicar cómo funciona el test psicológico elegido. </a:t>
-            </a:r>
-            <a:endParaRPr lang="en-US" sz="1600" dirty="0"/>
+              <a:rPr lang="es-MX" dirty="0" smtClean="0"/>
+              <a:t>Seleccionar </a:t>
+            </a:r>
+            <a:r>
+              <a:rPr lang="es-MX" dirty="0"/>
+              <a:t>el test psicológico que se aplicará.</a:t>
+            </a:r>
+          </a:p>
+          <a:p>
+            <a:pPr lvl="1"/>
+            <a:r>
+              <a:rPr lang="es-MX" dirty="0" smtClean="0"/>
+              <a:t>Explicar </a:t>
+            </a:r>
+            <a:r>
+              <a:rPr lang="es-MX" dirty="0"/>
+              <a:t>cómo funciona el método de evaluación del test psicológico elegido aplicando gamificación. </a:t>
+            </a:r>
           </a:p>
           <a:p>
             <a:pPr lvl="1"/>
@@ -6527,31 +7087,52 @@
             </a:r>
             <a:r>
               <a:rPr lang="es-MX" dirty="0"/>
-              <a:t>la aplicación web utilizando el test elegido</a:t>
-            </a:r>
+              <a:t>la aplicación web </a:t>
+            </a:r>
+            <a:endParaRPr lang="es-MX" dirty="0" smtClean="0"/>
+          </a:p>
+          <a:p>
+            <a:pPr lvl="1"/>
             <a:r>
               <a:rPr lang="es-MX" dirty="0" smtClean="0"/>
-              <a:t>.</a:t>
-            </a:r>
-          </a:p>
-          <a:p>
-            <a:pPr lvl="1"/>
-            <a:r>
-              <a:rPr lang="es-ES" dirty="0" smtClean="0"/>
-              <a:t>Explicar </a:t>
-            </a:r>
-            <a:r>
-              <a:rPr lang="es-ES" dirty="0"/>
-              <a:t>cómo se utilizará los datos obtenidos mediante la aplicación.</a:t>
-            </a:r>
-            <a:endParaRPr lang="en-US" sz="1600" dirty="0"/>
-          </a:p>
-          <a:p>
-            <a:pPr lvl="1"/>
+              <a:t>Presentar </a:t>
+            </a:r>
+            <a:r>
+              <a:rPr lang="es-MX" dirty="0"/>
+              <a:t>los datos obtenidos mediante la aplicación </a:t>
+            </a:r>
+            <a:r>
+              <a:rPr lang="es-MX" dirty="0" smtClean="0"/>
+              <a:t>web.</a:t>
+            </a:r>
             <a:endParaRPr lang="en-US" dirty="0"/>
           </a:p>
         </p:txBody>
       </p:sp>
+      <p:pic>
+        <p:nvPicPr>
+          <p:cNvPr id="5" name="Imagen 4"/>
+          <p:cNvPicPr>
+            <a:picLocks noChangeAspect="1"/>
+          </p:cNvPicPr>
+          <p:nvPr/>
+        </p:nvPicPr>
+        <p:blipFill>
+          <a:blip r:embed="rId2"/>
+          <a:stretch>
+            <a:fillRect/>
+          </a:stretch>
+        </p:blipFill>
+        <p:spPr>
+          <a:xfrm>
+            <a:off x="9072872" y="230083"/>
+            <a:ext cx="2791468" cy="1372211"/>
+          </a:xfrm>
+          <a:prstGeom prst="rect">
+            <a:avLst/>
+          </a:prstGeom>
+        </p:spPr>
+      </p:pic>
     </p:spTree>
     <p:extLst>
       <p:ext uri="{BB962C8B-B14F-4D97-AF65-F5344CB8AC3E}">
@@ -6622,7 +7203,12 @@
             <p:ph idx="1"/>
           </p:nvPr>
         </p:nvSpPr>
-        <p:spPr/>
+        <p:spPr>
+          <a:xfrm>
+            <a:off x="697199" y="2038592"/>
+            <a:ext cx="6869461" cy="3859288"/>
+          </a:xfrm>
+        </p:spPr>
         <p:txBody>
           <a:bodyPr anchor="ctr"/>
           <a:lstStyle/>
@@ -6635,6 +7221,45 @@
           </a:p>
         </p:txBody>
       </p:sp>
+      <p:pic>
+        <p:nvPicPr>
+          <p:cNvPr id="4" name="Imagen 3"/>
+          <p:cNvPicPr>
+            <a:picLocks noChangeAspect="1"/>
+          </p:cNvPicPr>
+          <p:nvPr/>
+        </p:nvPicPr>
+        <p:blipFill rotWithShape="1">
+          <a:blip r:embed="rId2" cstate="print">
+            <a:clrChange>
+              <a:clrFrom>
+                <a:srgbClr val="45B5C0"/>
+              </a:clrFrom>
+              <a:clrTo>
+                <a:srgbClr val="45B5C0">
+                  <a:alpha val="0"/>
+                </a:srgbClr>
+              </a:clrTo>
+            </a:clrChange>
+            <a:extLst>
+              <a:ext uri="{28A0092B-C50C-407E-A947-70E740481C1C}">
+                <a14:useLocalDpi xmlns:a14="http://schemas.microsoft.com/office/drawing/2010/main" val="0"/>
+              </a:ext>
+            </a:extLst>
+          </a:blip>
+          <a:srcRect l="27371" r="29634"/>
+          <a:stretch/>
+        </p:blipFill>
+        <p:spPr>
+          <a:xfrm>
+            <a:off x="8069580" y="2095721"/>
+            <a:ext cx="3680460" cy="3745029"/>
+          </a:xfrm>
+          <a:prstGeom prst="rect">
+            <a:avLst/>
+          </a:prstGeom>
+        </p:spPr>
+      </p:pic>
     </p:spTree>
     <p:extLst>
       <p:ext uri="{BB962C8B-B14F-4D97-AF65-F5344CB8AC3E}">
@@ -6707,8 +7332,8 @@
         </p:nvSpPr>
         <p:spPr>
           <a:xfrm>
-            <a:off x="1451579" y="2015732"/>
-            <a:ext cx="9955561" cy="4006245"/>
+            <a:off x="411481" y="2038592"/>
+            <a:ext cx="8778239" cy="4006245"/>
           </a:xfrm>
         </p:spPr>
         <p:txBody>
@@ -6723,7 +7348,15 @@
             </a:r>
             <a:r>
               <a:rPr lang="es-PE" dirty="0"/>
-              <a:t>ha habido una preferencia social por determinados estándares de belleza de </a:t>
+              <a:t>ha habido una preferencia social </a:t>
+            </a:r>
+            <a:r>
+              <a:rPr lang="es-PE" dirty="0" smtClean="0"/>
+              <a:t>por determinados </a:t>
+            </a:r>
+            <a:r>
+              <a:rPr lang="es-PE" dirty="0"/>
+              <a:t>estándares de belleza de </a:t>
             </a:r>
             <a:r>
               <a:rPr lang="es-PE" dirty="0" smtClean="0"/>
@@ -6740,8 +7373,20 @@
           </a:p>
           <a:p>
             <a:r>
+              <a:rPr lang="es-PE" dirty="0" smtClean="0"/>
+              <a:t>Puede </a:t>
+            </a:r>
+            <a:r>
               <a:rPr lang="es-PE" dirty="0"/>
-              <a:t>Sufrir estos trastornos de conducta alimentaria puede traer consecuencias negativas para la salud como la disminución de la frecuencia cardiaca y/o presión arterial, </a:t>
+              <a:t>traer consecuencias negativas para la </a:t>
+            </a:r>
+            <a:r>
+              <a:rPr lang="es-PE" dirty="0" smtClean="0"/>
+              <a:t>salud, como disminución </a:t>
+            </a:r>
+            <a:r>
+              <a:rPr lang="es-PE" dirty="0"/>
+              <a:t>de la frecuencia cardiaca y/o presión arterial, </a:t>
             </a:r>
             <a:r>
               <a:rPr lang="es-PE" dirty="0" smtClean="0"/>
@@ -6749,36 +7394,112 @@
             </a:r>
             <a:r>
               <a:rPr lang="es-PE" dirty="0"/>
-              <a:t>crecimiento de cabello fino en el cuerpo, resequedad en la piel y en el </a:t>
-            </a:r>
-            <a:r>
-              <a:rPr lang="es-PE" dirty="0" smtClean="0"/>
-              <a:t>cabello, etc.</a:t>
-            </a:r>
-          </a:p>
-          <a:p>
+              <a:t>crecimiento de cabello fino en el cuerpo, resequedad en </a:t>
+            </a:r>
+            <a:r>
+              <a:rPr lang="es-PE" dirty="0" smtClean="0"/>
+              <a:t>piel </a:t>
+            </a:r>
+            <a:r>
+              <a:rPr lang="es-PE" dirty="0" smtClean="0"/>
+              <a:t>y </a:t>
+            </a:r>
+            <a:r>
+              <a:rPr lang="es-PE" dirty="0" smtClean="0"/>
+              <a:t>cabello</a:t>
+            </a:r>
+            <a:r>
+              <a:rPr lang="es-PE" dirty="0" smtClean="0"/>
+              <a:t>, etc.</a:t>
+            </a:r>
+          </a:p>
+          <a:p>
+            <a:r>
+              <a:rPr lang="es-MX" dirty="0" smtClean="0"/>
+              <a:t>Hay investigaciones </a:t>
+            </a:r>
             <a:r>
               <a:rPr lang="es-MX" dirty="0"/>
-              <a:t>Actualmente hay muchas investigaciones que analizan como las tecnologías pueden ayudar en el diagnóstico, prevención y tratamiento de diversas enfermedades, incluyendo los </a:t>
+              <a:t>que analizan como las tecnologías pueden ayudar en el diagnóstico, prevención y tratamiento de diversas </a:t>
             </a:r>
             <a:r>
               <a:rPr lang="es-MX" dirty="0" smtClean="0"/>
-              <a:t>TCA.</a:t>
-            </a:r>
-          </a:p>
-          <a:p>
+              <a:t>enfermedades,</a:t>
+            </a:r>
+          </a:p>
+          <a:p>
+            <a:r>
+              <a:rPr lang="es-MX" dirty="0"/>
+              <a:t>A</a:t>
+            </a:r>
             <a:r>
               <a:rPr lang="es-MX" dirty="0" smtClean="0"/>
-              <a:t>Además</a:t>
+              <a:t>demás</a:t>
             </a:r>
             <a:r>
               <a:rPr lang="es-MX" dirty="0"/>
-              <a:t>, se tiene como ventaja su facilidad para acceder a gran número de pacientes y personas en riesgo un coste relativamente bajo, sin problemas de horario y a gran velocidad. </a:t>
+              <a:t>, se tiene como ventaja </a:t>
+            </a:r>
+            <a:r>
+              <a:rPr lang="es-MX" dirty="0" smtClean="0"/>
+              <a:t>poder </a:t>
+            </a:r>
+            <a:r>
+              <a:rPr lang="es-MX" dirty="0"/>
+              <a:t>acceder a gran número de </a:t>
+            </a:r>
+            <a:r>
+              <a:rPr lang="es-MX" dirty="0" smtClean="0"/>
+              <a:t>personas </a:t>
+            </a:r>
+            <a:r>
+              <a:rPr lang="es-MX" dirty="0"/>
+              <a:t>en riesgo un coste relativamente bajo, sin problemas de horario y a gran velocidad. </a:t>
             </a:r>
             <a:endParaRPr lang="en-US" dirty="0"/>
           </a:p>
         </p:txBody>
       </p:sp>
+      <p:pic>
+        <p:nvPicPr>
+          <p:cNvPr id="4" name="Imagen 3"/>
+          <p:cNvPicPr>
+            <a:picLocks noChangeAspect="1"/>
+          </p:cNvPicPr>
+          <p:nvPr/>
+        </p:nvPicPr>
+        <p:blipFill>
+          <a:blip r:embed="rId2">
+            <a:clrChange>
+              <a:clrFrom>
+                <a:srgbClr val="FCFCFC"/>
+              </a:clrFrom>
+              <a:clrTo>
+                <a:srgbClr val="FCFCFC">
+                  <a:alpha val="0"/>
+                </a:srgbClr>
+              </a:clrTo>
+            </a:clrChange>
+            <a:extLst>
+              <a:ext uri="{28A0092B-C50C-407E-A947-70E740481C1C}">
+                <a14:useLocalDpi xmlns:a14="http://schemas.microsoft.com/office/drawing/2010/main" val="0"/>
+              </a:ext>
+            </a:extLst>
+          </a:blip>
+          <a:stretch>
+            <a:fillRect/>
+          </a:stretch>
+        </p:blipFill>
+        <p:spPr>
+          <a:xfrm>
+            <a:off x="9372600" y="2312912"/>
+            <a:ext cx="2641529" cy="3358326"/>
+          </a:xfrm>
+          <a:prstGeom prst="rect">
+            <a:avLst/>
+          </a:prstGeom>
+        </p:spPr>
+      </p:pic>
     </p:spTree>
     <p:extLst>
       <p:ext uri="{BB962C8B-B14F-4D97-AF65-F5344CB8AC3E}">
@@ -6833,7 +7554,7 @@
           <a:p>
             <a:r>
               <a:rPr lang="es-PE" dirty="0" smtClean="0"/>
-              <a:t>Marco teórico</a:t>
+              <a:t>DEFINICIONES</a:t>
             </a:r>
             <a:endParaRPr lang="en-US" dirty="0"/>
           </a:p>

--- a/Presentación de Tesis Parte 2.pptx
+++ b/Presentación de Tesis Parte 2.pptx
@@ -30,7 +30,8 @@
     <p:sldId id="282" r:id="rId24"/>
     <p:sldId id="283" r:id="rId25"/>
     <p:sldId id="284" r:id="rId26"/>
-    <p:sldId id="273" r:id="rId27"/>
+    <p:sldId id="286" r:id="rId27"/>
+    <p:sldId id="273" r:id="rId28"/>
   </p:sldIdLst>
   <p:sldSz cx="12192000" cy="6858000"/>
   <p:notesSz cx="6858000" cy="9144000"/>
@@ -3752,11 +3753,7 @@
             <a:pPr algn="ctr"/>
             <a:r>
               <a:rPr lang="es-MX" dirty="0" smtClean="0"/>
-              <a:t>OCTUBRE </a:t>
-            </a:r>
-            <a:r>
-              <a:rPr lang="es-MX" dirty="0" smtClean="0"/>
-              <a:t>2018</a:t>
+              <a:t>OCTUBRE 2018</a:t>
             </a:r>
             <a:endParaRPr lang="en-US" dirty="0"/>
           </a:p>
@@ -3869,7 +3866,7 @@
         <p:spPr>
           <a:xfrm>
             <a:off x="514319" y="2015732"/>
-            <a:ext cx="11144281" cy="3790708"/>
+            <a:ext cx="8172481" cy="3790708"/>
           </a:xfrm>
         </p:spPr>
         <p:txBody>
@@ -3888,15 +3885,11 @@
             </a:r>
             <a:r>
               <a:rPr lang="es-PE" dirty="0"/>
-              <a:t>en esta etapa de su vida. A pesar de que no se puede definir una edad exacta en la que inicia la adolescencia, se estima que comienza entre </a:t>
-            </a:r>
-            <a:r>
-              <a:rPr lang="es-PE" dirty="0"/>
-              <a:t>	</a:t>
-            </a:r>
-            <a:r>
-              <a:rPr lang="es-PE" dirty="0" smtClean="0"/>
-              <a:t>		         </a:t>
+              <a:t>en esta etapa de su vida. A pesar de que no se puede definir una edad exacta en la que inicia la adolescencia, se estima que </a:t>
+            </a:r>
+            <a:r>
+              <a:rPr lang="es-PE" dirty="0" smtClean="0"/>
+              <a:t>comienza entre </a:t>
             </a:r>
             <a:r>
               <a:rPr lang="es-PE" dirty="0" smtClean="0"/>
@@ -3968,7 +3961,7 @@
         </p:blipFill>
         <p:spPr>
           <a:xfrm>
-            <a:off x="8574405" y="3108960"/>
+            <a:off x="8507904" y="3000894"/>
             <a:ext cx="4112894" cy="4112894"/>
           </a:xfrm>
           <a:prstGeom prst="rect">
@@ -4058,7 +4051,9 @@
           </a:xfrm>
         </p:spPr>
         <p:txBody>
-          <a:bodyPr/>
+          <a:bodyPr>
+            <a:normAutofit fontScale="92500" lnSpcReduction="10000"/>
+          </a:bodyPr>
           <a:lstStyle/>
           <a:p>
             <a:pPr marL="0" indent="0">
@@ -4210,7 +4205,7 @@
         </p:spPr>
         <p:txBody>
           <a:bodyPr>
-            <a:normAutofit/>
+            <a:normAutofit lnSpcReduction="10000"/>
           </a:bodyPr>
           <a:lstStyle/>
           <a:p>
@@ -4399,7 +4394,7 @@
         </p:spPr>
         <p:txBody>
           <a:bodyPr anchor="ctr">
-            <a:normAutofit/>
+            <a:normAutofit lnSpcReduction="10000"/>
           </a:bodyPr>
           <a:lstStyle/>
           <a:p>
@@ -4414,11 +4409,7 @@
           <a:p>
             <a:r>
               <a:rPr lang="es-MX" dirty="0" smtClean="0"/>
-              <a:t>ANOREXIA NERVIOSA:  </a:t>
-            </a:r>
-            <a:r>
-              <a:rPr lang="es-MX" dirty="0" smtClean="0"/>
-              <a:t>S</a:t>
+              <a:t>ANOREXIA NERVIOSA:  S</a:t>
             </a:r>
             <a:r>
               <a:rPr lang="es-PE" dirty="0" smtClean="0"/>
@@ -4441,11 +4432,7 @@
           <a:p>
             <a:r>
               <a:rPr lang="es-PE" dirty="0" smtClean="0"/>
-              <a:t>BULIMIA NERVIOSA:  </a:t>
-            </a:r>
-            <a:r>
-              <a:rPr lang="es-PE" dirty="0" smtClean="0"/>
-              <a:t>Se </a:t>
+              <a:t>BULIMIA NERVIOSA:  Se </a:t>
             </a:r>
             <a:r>
               <a:rPr lang="es-PE" dirty="0"/>
@@ -4625,7 +4612,6 @@
               <a:rPr lang="es-PE" dirty="0" smtClean="0"/>
               <a:t>grave</a:t>
             </a:r>
-            <a:endParaRPr lang="es-PE" dirty="0" smtClean="0"/>
           </a:p>
         </p:txBody>
       </p:sp>
@@ -4736,7 +4722,7 @@
         </p:spPr>
         <p:txBody>
           <a:bodyPr>
-            <a:normAutofit lnSpcReduction="10000"/>
+            <a:normAutofit fontScale="92500" lnSpcReduction="20000"/>
           </a:bodyPr>
           <a:lstStyle/>
           <a:p>
@@ -5430,13 +5416,8 @@
             </a:r>
             <a:r>
               <a:rPr lang="es-PE" dirty="0" smtClean="0"/>
-              <a:t>lúdicos</a:t>
-            </a:r>
-            <a:r>
-              <a:rPr lang="es-PE" dirty="0" smtClean="0"/>
-              <a:t>.</a:t>
-            </a:r>
-            <a:endParaRPr lang="es-PE" dirty="0" smtClean="0"/>
+              <a:t>lúdicos.</a:t>
+            </a:r>
           </a:p>
         </p:txBody>
       </p:sp>
@@ -5547,7 +5528,7 @@
         </p:spPr>
         <p:txBody>
           <a:bodyPr anchor="ctr">
-            <a:normAutofit lnSpcReduction="10000"/>
+            <a:normAutofit fontScale="92500" lnSpcReduction="10000"/>
           </a:bodyPr>
           <a:lstStyle/>
           <a:p>
@@ -5820,8 +5801,8 @@
         </p:nvSpPr>
         <p:spPr>
           <a:xfrm>
-            <a:off x="1451579" y="2015732"/>
-            <a:ext cx="9603275" cy="4123811"/>
+            <a:off x="497305" y="2015732"/>
+            <a:ext cx="11133221" cy="4123811"/>
           </a:xfrm>
         </p:spPr>
         <p:txBody>
@@ -6056,7 +6037,7 @@
         </p:spPr>
         <p:txBody>
           <a:bodyPr anchor="ctr">
-            <a:normAutofit/>
+            <a:normAutofit lnSpcReduction="10000"/>
           </a:bodyPr>
           <a:lstStyle/>
           <a:p>
@@ -6171,7 +6152,7 @@
         </p:spPr>
         <p:txBody>
           <a:bodyPr anchor="ctr">
-            <a:normAutofit/>
+            <a:normAutofit fontScale="92500" lnSpcReduction="20000"/>
           </a:bodyPr>
           <a:lstStyle/>
           <a:p>
@@ -6311,9 +6292,6 @@
             </a:r>
             <a:endParaRPr lang="es-PE" dirty="0" smtClean="0"/>
           </a:p>
-          <a:p>
-            <a:endParaRPr lang="en-US" dirty="0"/>
-          </a:p>
         </p:txBody>
       </p:sp>
     </p:spTree>
@@ -6363,6 +6341,190 @@
             <p:ph type="title"/>
           </p:nvPr>
         </p:nvSpPr>
+        <p:spPr>
+          <a:xfrm>
+            <a:off x="609601" y="545433"/>
+            <a:ext cx="10445254" cy="1308322"/>
+          </a:xfrm>
+        </p:spPr>
+        <p:txBody>
+          <a:bodyPr/>
+          <a:lstStyle/>
+          <a:p>
+            <a:r>
+              <a:rPr lang="es-ES" dirty="0"/>
+              <a:t>Selección y justificación del test psicológico</a:t>
+            </a:r>
+            <a:endParaRPr lang="es-PE" dirty="0"/>
+          </a:p>
+        </p:txBody>
+      </p:sp>
+      <p:sp>
+        <p:nvSpPr>
+          <p:cNvPr id="3" name="Marcador de contenido 2"/>
+          <p:cNvSpPr>
+            <a:spLocks noGrp="1"/>
+          </p:cNvSpPr>
+          <p:nvPr>
+            <p:ph idx="1"/>
+          </p:nvPr>
+        </p:nvSpPr>
+        <p:spPr>
+          <a:xfrm>
+            <a:off x="609602" y="2015731"/>
+            <a:ext cx="8967536" cy="4000057"/>
+          </a:xfrm>
+        </p:spPr>
+        <p:txBody>
+          <a:bodyPr anchor="ctr">
+            <a:normAutofit lnSpcReduction="10000"/>
+          </a:bodyPr>
+          <a:lstStyle/>
+          <a:p>
+            <a:pPr marL="0" indent="0">
+              <a:buNone/>
+            </a:pPr>
+            <a:r>
+              <a:rPr lang="es-PE" dirty="0"/>
+              <a:t>Para realizar la evaluación de que test psicológico </a:t>
+            </a:r>
+            <a:r>
+              <a:rPr lang="es-PE" dirty="0" smtClean="0"/>
+              <a:t>se </a:t>
+            </a:r>
+            <a:r>
+              <a:rPr lang="es-PE" dirty="0"/>
+              <a:t>tomará en cuenta ciertos criterios </a:t>
+            </a:r>
+            <a:r>
+              <a:rPr lang="es-PE" dirty="0" smtClean="0"/>
+              <a:t>definidos </a:t>
+            </a:r>
+            <a:r>
+              <a:rPr lang="es-PE" dirty="0"/>
+              <a:t>con su respectiva justificación según las prioridades propias consideradas en el presente trabajo de investigación.</a:t>
+            </a:r>
+            <a:endParaRPr lang="es-PE" dirty="0"/>
+          </a:p>
+          <a:p>
+            <a:r>
+              <a:rPr lang="es-PE" dirty="0" smtClean="0"/>
+              <a:t>Criterio </a:t>
+            </a:r>
+            <a:r>
+              <a:rPr lang="es-PE" dirty="0"/>
+              <a:t>1: Cantidad de opciones en respuestas </a:t>
+            </a:r>
+          </a:p>
+          <a:p>
+            <a:r>
+              <a:rPr lang="es-PE" dirty="0" smtClean="0"/>
+              <a:t>Criterio </a:t>
+            </a:r>
+            <a:r>
+              <a:rPr lang="es-PE" dirty="0"/>
+              <a:t>2: Cantidad de </a:t>
+            </a:r>
+            <a:r>
+              <a:rPr lang="es-PE" dirty="0" smtClean="0"/>
+              <a:t>preguntas</a:t>
+            </a:r>
+            <a:endParaRPr lang="es-PE" dirty="0"/>
+          </a:p>
+          <a:p>
+            <a:r>
+              <a:rPr lang="es-PE" dirty="0" smtClean="0"/>
+              <a:t>Criterio </a:t>
+            </a:r>
+            <a:r>
+              <a:rPr lang="es-PE" dirty="0"/>
+              <a:t>3: Tipo de </a:t>
+            </a:r>
+            <a:r>
+              <a:rPr lang="es-PE" dirty="0" smtClean="0"/>
+              <a:t>aplicación</a:t>
+            </a:r>
+            <a:endParaRPr lang="es-PE" dirty="0"/>
+          </a:p>
+          <a:p>
+            <a:r>
+              <a:rPr lang="es-PE" dirty="0" smtClean="0"/>
+              <a:t>Criterio </a:t>
+            </a:r>
+            <a:r>
+              <a:rPr lang="es-PE" dirty="0"/>
+              <a:t>4: Entorno de </a:t>
+            </a:r>
+            <a:r>
+              <a:rPr lang="es-PE" dirty="0" smtClean="0"/>
+              <a:t>aplicación</a:t>
+            </a:r>
+            <a:endParaRPr lang="es-PE" dirty="0"/>
+          </a:p>
+          <a:p>
+            <a:r>
+              <a:rPr lang="es-PE" dirty="0" smtClean="0"/>
+              <a:t>Criterio </a:t>
+            </a:r>
+            <a:r>
+              <a:rPr lang="es-PE" dirty="0"/>
+              <a:t>5: Dirigido especialmente a población </a:t>
+            </a:r>
+            <a:r>
+              <a:rPr lang="es-PE" dirty="0" smtClean="0"/>
+              <a:t>joven</a:t>
+            </a:r>
+            <a:endParaRPr lang="es-PE" dirty="0"/>
+          </a:p>
+        </p:txBody>
+      </p:sp>
+    </p:spTree>
+    <p:extLst>
+      <p:ext uri="{BB962C8B-B14F-4D97-AF65-F5344CB8AC3E}">
+        <p14:creationId xmlns:p14="http://schemas.microsoft.com/office/powerpoint/2010/main" val="1605059795"/>
+      </p:ext>
+    </p:extLst>
+  </p:cSld>
+  <p:clrMapOvr>
+    <a:masterClrMapping/>
+  </p:clrMapOvr>
+  <p:timing>
+    <p:tnLst>
+      <p:par>
+        <p:cTn id="1" dur="indefinite" restart="never" nodeType="tmRoot"/>
+      </p:par>
+    </p:tnLst>
+  </p:timing>
+</p:sld>
+</file>
+
+<file path=ppt/slides/slide27.xml><?xml version="1.0" encoding="utf-8"?>
+<p:sld xmlns:a="http://schemas.openxmlformats.org/drawingml/2006/main" xmlns:r="http://schemas.openxmlformats.org/officeDocument/2006/relationships" xmlns:p="http://schemas.openxmlformats.org/presentationml/2006/main">
+  <p:cSld>
+    <p:spTree>
+      <p:nvGrpSpPr>
+        <p:cNvPr id="1" name=""/>
+        <p:cNvGrpSpPr/>
+        <p:nvPr/>
+      </p:nvGrpSpPr>
+      <p:grpSpPr>
+        <a:xfrm>
+          <a:off x="0" y="0"/>
+          <a:ext cx="0" cy="0"/>
+          <a:chOff x="0" y="0"/>
+          <a:chExt cx="0" cy="0"/>
+        </a:xfrm>
+      </p:grpSpPr>
+      <p:sp>
+        <p:nvSpPr>
+          <p:cNvPr id="2" name="Título 1"/>
+          <p:cNvSpPr>
+            <a:spLocks noGrp="1"/>
+          </p:cNvSpPr>
+          <p:nvPr>
+            <p:ph type="title"/>
+          </p:nvPr>
+        </p:nvSpPr>
         <p:spPr/>
         <p:txBody>
           <a:bodyPr/>
@@ -6454,7 +6616,7 @@
         </p:spPr>
         <p:txBody>
           <a:bodyPr anchor="ctr">
-            <a:normAutofit/>
+            <a:normAutofit lnSpcReduction="10000"/>
           </a:bodyPr>
           <a:lstStyle/>
           <a:p>
@@ -6480,11 +6642,7 @@
             </a:r>
             <a:r>
               <a:rPr lang="es-MX" dirty="0" smtClean="0"/>
-              <a:t>México</a:t>
-            </a:r>
-            <a:r>
-              <a:rPr lang="es-MX" dirty="0" smtClean="0"/>
-              <a:t>. </a:t>
+              <a:t>México. </a:t>
             </a:r>
             <a:r>
               <a:rPr lang="es-PE" dirty="0"/>
@@ -6713,7 +6871,6 @@
               <a:rPr lang="es-PE" dirty="0" smtClean="0"/>
               <a:t>años. </a:t>
             </a:r>
-            <a:endParaRPr lang="es-PE" dirty="0" smtClean="0"/>
           </a:p>
           <a:p>
             <a:r>
@@ -6855,7 +7012,7 @@
         </p:spPr>
         <p:txBody>
           <a:bodyPr>
-            <a:normAutofit lnSpcReduction="10000"/>
+            <a:normAutofit fontScale="92500" lnSpcReduction="10000"/>
           </a:bodyPr>
           <a:lstStyle/>
           <a:p>
@@ -6984,7 +7141,7 @@
         </p:spPr>
         <p:txBody>
           <a:bodyPr>
-            <a:normAutofit/>
+            <a:normAutofit fontScale="85000" lnSpcReduction="10000"/>
           </a:bodyPr>
           <a:lstStyle/>
           <a:p>
@@ -7338,7 +7495,7 @@
         </p:spPr>
         <p:txBody>
           <a:bodyPr>
-            <a:normAutofit/>
+            <a:normAutofit fontScale="92500" lnSpcReduction="20000"/>
           </a:bodyPr>
           <a:lstStyle/>
           <a:p>
@@ -7398,19 +7555,7 @@
             </a:r>
             <a:r>
               <a:rPr lang="es-PE" dirty="0" smtClean="0"/>
-              <a:t>piel </a:t>
-            </a:r>
-            <a:r>
-              <a:rPr lang="es-PE" dirty="0" smtClean="0"/>
-              <a:t>y </a:t>
-            </a:r>
-            <a:r>
-              <a:rPr lang="es-PE" dirty="0" smtClean="0"/>
-              <a:t>cabello</a:t>
-            </a:r>
-            <a:r>
-              <a:rPr lang="es-PE" dirty="0" smtClean="0"/>
-              <a:t>, etc.</a:t>
+              <a:t>piel y cabello, etc.</a:t>
             </a:r>
           </a:p>
           <a:p>
